--- a/help/assets/headless-forms-graphics-source.pptx
+++ b/help/assets/headless-forms-graphics-source.pptx
@@ -270,7 +270,7 @@
           <a:p>
             <a:fld id="{295F3A97-0A8A-4E91-8717-4ADE5E71FF5C}" type="datetimeFigureOut">
               <a:rPr lang="en-US" smtClean="0"/>
-              <a:t>7/6/2022</a:t>
+              <a:t>7/28/2022</a:t>
             </a:fld>
             <a:endParaRPr lang="en-US"/>
           </a:p>
@@ -468,7 +468,7 @@
           <a:p>
             <a:fld id="{295F3A97-0A8A-4E91-8717-4ADE5E71FF5C}" type="datetimeFigureOut">
               <a:rPr lang="en-US" smtClean="0"/>
-              <a:t>7/6/2022</a:t>
+              <a:t>7/28/2022</a:t>
             </a:fld>
             <a:endParaRPr lang="en-US"/>
           </a:p>
@@ -676,7 +676,7 @@
           <a:p>
             <a:fld id="{295F3A97-0A8A-4E91-8717-4ADE5E71FF5C}" type="datetimeFigureOut">
               <a:rPr lang="en-US" smtClean="0"/>
-              <a:t>7/6/2022</a:t>
+              <a:t>7/28/2022</a:t>
             </a:fld>
             <a:endParaRPr lang="en-US"/>
           </a:p>
@@ -874,7 +874,7 @@
           <a:p>
             <a:fld id="{295F3A97-0A8A-4E91-8717-4ADE5E71FF5C}" type="datetimeFigureOut">
               <a:rPr lang="en-US" smtClean="0"/>
-              <a:t>7/6/2022</a:t>
+              <a:t>7/28/2022</a:t>
             </a:fld>
             <a:endParaRPr lang="en-US"/>
           </a:p>
@@ -1149,7 +1149,7 @@
           <a:p>
             <a:fld id="{295F3A97-0A8A-4E91-8717-4ADE5E71FF5C}" type="datetimeFigureOut">
               <a:rPr lang="en-US" smtClean="0"/>
-              <a:t>7/6/2022</a:t>
+              <a:t>7/28/2022</a:t>
             </a:fld>
             <a:endParaRPr lang="en-US"/>
           </a:p>
@@ -1414,7 +1414,7 @@
           <a:p>
             <a:fld id="{295F3A97-0A8A-4E91-8717-4ADE5E71FF5C}" type="datetimeFigureOut">
               <a:rPr lang="en-US" smtClean="0"/>
-              <a:t>7/6/2022</a:t>
+              <a:t>7/28/2022</a:t>
             </a:fld>
             <a:endParaRPr lang="en-US"/>
           </a:p>
@@ -1826,7 +1826,7 @@
           <a:p>
             <a:fld id="{295F3A97-0A8A-4E91-8717-4ADE5E71FF5C}" type="datetimeFigureOut">
               <a:rPr lang="en-US" smtClean="0"/>
-              <a:t>7/6/2022</a:t>
+              <a:t>7/28/2022</a:t>
             </a:fld>
             <a:endParaRPr lang="en-US"/>
           </a:p>
@@ -1967,7 +1967,7 @@
           <a:p>
             <a:fld id="{295F3A97-0A8A-4E91-8717-4ADE5E71FF5C}" type="datetimeFigureOut">
               <a:rPr lang="en-US" smtClean="0"/>
-              <a:t>7/6/2022</a:t>
+              <a:t>7/28/2022</a:t>
             </a:fld>
             <a:endParaRPr lang="en-US"/>
           </a:p>
@@ -2080,7 +2080,7 @@
           <a:p>
             <a:fld id="{295F3A97-0A8A-4E91-8717-4ADE5E71FF5C}" type="datetimeFigureOut">
               <a:rPr lang="en-US" smtClean="0"/>
-              <a:t>7/6/2022</a:t>
+              <a:t>7/28/2022</a:t>
             </a:fld>
             <a:endParaRPr lang="en-US"/>
           </a:p>
@@ -2391,7 +2391,7 @@
           <a:p>
             <a:fld id="{295F3A97-0A8A-4E91-8717-4ADE5E71FF5C}" type="datetimeFigureOut">
               <a:rPr lang="en-US" smtClean="0"/>
-              <a:t>7/6/2022</a:t>
+              <a:t>7/28/2022</a:t>
             </a:fld>
             <a:endParaRPr lang="en-US"/>
           </a:p>
@@ -2679,7 +2679,7 @@
           <a:p>
             <a:fld id="{295F3A97-0A8A-4E91-8717-4ADE5E71FF5C}" type="datetimeFigureOut">
               <a:rPr lang="en-US" smtClean="0"/>
-              <a:t>7/6/2022</a:t>
+              <a:t>7/28/2022</a:t>
             </a:fld>
             <a:endParaRPr lang="en-US"/>
           </a:p>
@@ -2920,7 +2920,7 @@
           <a:p>
             <a:fld id="{295F3A97-0A8A-4E91-8717-4ADE5E71FF5C}" type="datetimeFigureOut">
               <a:rPr lang="en-US" smtClean="0"/>
-              <a:t>7/6/2022</a:t>
+              <a:t>7/28/2022</a:t>
             </a:fld>
             <a:endParaRPr lang="en-US"/>
           </a:p>
@@ -3351,10 +3351,10 @@
         </p:nvGrpSpPr>
         <p:grpSpPr>
           <a:xfrm>
-            <a:off x="4378817" y="1152052"/>
-            <a:ext cx="6441583" cy="1859261"/>
+            <a:off x="2473960" y="1981200"/>
+            <a:ext cx="6670183" cy="2343082"/>
             <a:chOff x="4378817" y="1152052"/>
-            <a:chExt cx="6441583" cy="1859261"/>
+            <a:chExt cx="6670183" cy="2343082"/>
           </a:xfrm>
         </p:grpSpPr>
         <p:sp>
@@ -3796,7 +3796,7 @@
               </a:pPr>
               <a:r>
                 <a:rPr lang="en-US" sz="1200" kern="1200" dirty="0"/>
-                <a:t>Create and add Headless Adaptive Forms JSON representation to the project</a:t>
+                <a:t>Create JSON representation of Headless Adaptive Form</a:t>
               </a:r>
             </a:p>
           </p:txBody>
@@ -3815,8 +3815,8 @@
           </p:nvSpPr>
           <p:spPr>
             <a:xfrm>
-              <a:off x="4809859" y="2192240"/>
-              <a:ext cx="246888" cy="338328"/>
+              <a:off x="5038459" y="2672985"/>
+              <a:ext cx="246888" cy="332344"/>
             </a:xfrm>
             <a:custGeom>
               <a:avLst/>
@@ -3909,7 +3909,7 @@
               </a:pPr>
               <a:r>
                 <a:rPr lang="en-US" sz="1200" kern="1200" dirty="0"/>
-                <a:t>3</a:t>
+                <a:t>4</a:t>
               </a:r>
             </a:p>
           </p:txBody>
@@ -3928,7 +3928,7 @@
           </p:nvSpPr>
           <p:spPr>
             <a:xfrm>
-              <a:off x="5064760" y="2183179"/>
+              <a:off x="5293360" y="2667000"/>
               <a:ext cx="5527040" cy="338328"/>
             </a:xfrm>
             <a:custGeom>
@@ -4039,7 +4039,7 @@
           </p:nvSpPr>
           <p:spPr>
             <a:xfrm>
-              <a:off x="5042078" y="2672985"/>
+              <a:off x="5270678" y="3156806"/>
               <a:ext cx="246888" cy="338328"/>
             </a:xfrm>
             <a:custGeom>
@@ -4131,7 +4131,7 @@
               </a:pPr>
               <a:r>
                 <a:rPr lang="en-US" sz="1200" kern="1200" dirty="0"/>
-                <a:t>4</a:t>
+                <a:t>5</a:t>
               </a:r>
             </a:p>
           </p:txBody>
@@ -4150,7 +4150,7 @@
           </p:nvSpPr>
           <p:spPr>
             <a:xfrm>
-              <a:off x="5293360" y="2672985"/>
+              <a:off x="5521960" y="3156806"/>
               <a:ext cx="5527040" cy="338328"/>
             </a:xfrm>
             <a:custGeom>
@@ -4242,7 +4242,7 @@
               </a:pPr>
               <a:r>
                 <a:rPr lang="en-US" sz="1200" kern="1200" dirty="0"/>
-                <a:t>Use the blank template to generate a Headless Adaptive Form </a:t>
+                <a:t>Use the Blank with core components template to create the Adaptive Form </a:t>
               </a:r>
             </a:p>
           </p:txBody>
@@ -4250,10 +4250,10 @@
       </p:grpSp>
       <p:sp>
         <p:nvSpPr>
-          <p:cNvPr id="19" name="Freeform: Shape 18">
-            <a:extLst>
-              <a:ext uri="{FF2B5EF4-FFF2-40B4-BE49-F238E27FC236}">
-                <a16:creationId xmlns:a16="http://schemas.microsoft.com/office/drawing/2014/main" id="{44C3ACB8-632C-315B-940E-CFCA0D21F271}"/>
+          <p:cNvPr id="17" name="Freeform: Shape 16">
+            <a:extLst>
+              <a:ext uri="{FF2B5EF4-FFF2-40B4-BE49-F238E27FC236}">
+                <a16:creationId xmlns:a16="http://schemas.microsoft.com/office/drawing/2014/main" id="{58FA79B1-FB13-1D47-6A55-C8DDDF3A4FCC}"/>
               </a:ext>
             </a:extLst>
           </p:cNvPr>
@@ -4262,8 +4262,8 @@
         </p:nvSpPr>
         <p:spPr>
           <a:xfrm>
-            <a:off x="3479801" y="2698200"/>
-            <a:ext cx="2032000" cy="1188000"/>
+            <a:off x="2905002" y="3021388"/>
+            <a:ext cx="246888" cy="329267"/>
           </a:xfrm>
           <a:custGeom>
             <a:avLst/>
@@ -4321,40 +4321,19 @@
           </a:custGeom>
         </p:spPr>
         <p:style>
-          <a:lnRef idx="0">
+          <a:lnRef idx="2">
             <a:schemeClr val="dk1">
-              <a:alpha val="0"/>
-              <a:hueOff val="0"/>
-              <a:satOff val="0"/>
-              <a:lumOff val="0"/>
-              <a:alphaOff val="0"/>
+              <a:shade val="50000"/>
             </a:schemeClr>
           </a:lnRef>
-          <a:fillRef idx="0">
-            <a:schemeClr val="lt2">
-              <a:alpha val="0"/>
-              <a:hueOff val="0"/>
-              <a:satOff val="0"/>
-              <a:lumOff val="0"/>
-              <a:alphaOff val="0"/>
-            </a:schemeClr>
+          <a:fillRef idx="1">
+            <a:schemeClr val="dk1"/>
           </a:fillRef>
           <a:effectRef idx="0">
-            <a:schemeClr val="lt2">
-              <a:alpha val="0"/>
-              <a:hueOff val="0"/>
-              <a:satOff val="0"/>
-              <a:lumOff val="0"/>
-              <a:alphaOff val="0"/>
-            </a:schemeClr>
+            <a:schemeClr val="dk1"/>
           </a:effectRef>
           <a:fontRef idx="minor">
-            <a:schemeClr val="tx1">
-              <a:hueOff val="0"/>
-              <a:satOff val="0"/>
-              <a:lumOff val="0"/>
-              <a:alphaOff val="0"/>
-            </a:schemeClr>
+            <a:schemeClr val="lt1"/>
           </a:fontRef>
         </p:style>
         <p:txBody>
@@ -4375,7 +4354,343 @@
               </a:spcAft>
               <a:buNone/>
             </a:pPr>
-            <a:endParaRPr lang="en-US" sz="1200" kern="1200" dirty="0"/>
+            <a:r>
+              <a:rPr lang="en-US" sz="1200" kern="1200" dirty="0"/>
+              <a:t>3</a:t>
+            </a:r>
+          </a:p>
+        </p:txBody>
+      </p:sp>
+      <p:sp>
+        <p:nvSpPr>
+          <p:cNvPr id="20" name="Freeform: Shape 19">
+            <a:extLst>
+              <a:ext uri="{FF2B5EF4-FFF2-40B4-BE49-F238E27FC236}">
+                <a16:creationId xmlns:a16="http://schemas.microsoft.com/office/drawing/2014/main" id="{EADBC35E-CF7B-BBB7-BB9F-8C89BC657A75}"/>
+              </a:ext>
+            </a:extLst>
+          </p:cNvPr>
+          <p:cNvSpPr/>
+          <p:nvPr/>
+        </p:nvSpPr>
+        <p:spPr>
+          <a:xfrm>
+            <a:off x="3159903" y="3012327"/>
+            <a:ext cx="5527040" cy="338328"/>
+          </a:xfrm>
+          <a:custGeom>
+            <a:avLst/>
+            <a:gdLst>
+              <a:gd name="connsiteX0" fmla="*/ 0 w 5527040"/>
+              <a:gd name="connsiteY0" fmla="*/ 0 h 392598"/>
+              <a:gd name="connsiteX1" fmla="*/ 5527040 w 5527040"/>
+              <a:gd name="connsiteY1" fmla="*/ 0 h 392598"/>
+              <a:gd name="connsiteX2" fmla="*/ 5527040 w 5527040"/>
+              <a:gd name="connsiteY2" fmla="*/ 392598 h 392598"/>
+              <a:gd name="connsiteX3" fmla="*/ 0 w 5527040"/>
+              <a:gd name="connsiteY3" fmla="*/ 392598 h 392598"/>
+              <a:gd name="connsiteX4" fmla="*/ 0 w 5527040"/>
+              <a:gd name="connsiteY4" fmla="*/ 0 h 392598"/>
+            </a:gdLst>
+            <a:ahLst/>
+            <a:cxnLst>
+              <a:cxn ang="0">
+                <a:pos x="connsiteX0" y="connsiteY0"/>
+              </a:cxn>
+              <a:cxn ang="0">
+                <a:pos x="connsiteX1" y="connsiteY1"/>
+              </a:cxn>
+              <a:cxn ang="0">
+                <a:pos x="connsiteX2" y="connsiteY2"/>
+              </a:cxn>
+              <a:cxn ang="0">
+                <a:pos x="connsiteX3" y="connsiteY3"/>
+              </a:cxn>
+              <a:cxn ang="0">
+                <a:pos x="connsiteX4" y="connsiteY4"/>
+              </a:cxn>
+            </a:cxnLst>
+            <a:rect l="l" t="t" r="r" b="b"/>
+            <a:pathLst>
+              <a:path w="5527040" h="392598">
+                <a:moveTo>
+                  <a:pt x="0" y="0"/>
+                </a:moveTo>
+                <a:lnTo>
+                  <a:pt x="5527040" y="0"/>
+                </a:lnTo>
+                <a:lnTo>
+                  <a:pt x="5527040" y="392598"/>
+                </a:lnTo>
+                <a:lnTo>
+                  <a:pt x="0" y="392598"/>
+                </a:lnTo>
+                <a:lnTo>
+                  <a:pt x="0" y="0"/>
+                </a:lnTo>
+                <a:close/>
+              </a:path>
+            </a:pathLst>
+          </a:custGeom>
+        </p:spPr>
+        <p:style>
+          <a:lnRef idx="3">
+            <a:schemeClr val="lt1"/>
+          </a:lnRef>
+          <a:fillRef idx="1">
+            <a:schemeClr val="dk1"/>
+          </a:fillRef>
+          <a:effectRef idx="1">
+            <a:schemeClr val="dk1"/>
+          </a:effectRef>
+          <a:fontRef idx="minor">
+            <a:schemeClr val="lt1"/>
+          </a:fontRef>
+        </p:style>
+        <p:txBody>
+          <a:bodyPr spcFirstLastPara="0" vert="horz" wrap="square" lIns="45720" tIns="45720" rIns="45720" bIns="45720" numCol="1" spcCol="1270" anchor="ctr" anchorCtr="0">
+            <a:noAutofit/>
+          </a:bodyPr>
+          <a:lstStyle/>
+          <a:p>
+            <a:pPr marL="114300" lvl="1" indent="-114300" algn="l" defTabSz="533400">
+              <a:lnSpc>
+                <a:spcPct val="90000"/>
+              </a:lnSpc>
+              <a:spcBef>
+                <a:spcPct val="0"/>
+              </a:spcBef>
+              <a:spcAft>
+                <a:spcPct val="15000"/>
+              </a:spcAft>
+              <a:buNone/>
+            </a:pPr>
+            <a:r>
+              <a:rPr lang="en-US" sz="1200" kern="1200" dirty="0"/>
+              <a:t>Add JSON representation to your AEM Archetype based project  </a:t>
+            </a:r>
+          </a:p>
+        </p:txBody>
+      </p:sp>
+      <p:sp>
+        <p:nvSpPr>
+          <p:cNvPr id="23" name="Freeform: Shape 22">
+            <a:extLst>
+              <a:ext uri="{FF2B5EF4-FFF2-40B4-BE49-F238E27FC236}">
+                <a16:creationId xmlns:a16="http://schemas.microsoft.com/office/drawing/2014/main" id="{4CF6931F-3572-4399-FD52-06B5788A7B19}"/>
+              </a:ext>
+            </a:extLst>
+          </p:cNvPr>
+          <p:cNvSpPr/>
+          <p:nvPr/>
+        </p:nvSpPr>
+        <p:spPr>
+          <a:xfrm>
+            <a:off x="3518078" y="4419600"/>
+            <a:ext cx="246888" cy="338328"/>
+          </a:xfrm>
+          <a:custGeom>
+            <a:avLst/>
+            <a:gdLst>
+              <a:gd name="connsiteX0" fmla="*/ 0 w 2032000"/>
+              <a:gd name="connsiteY0" fmla="*/ 0 h 1188000"/>
+              <a:gd name="connsiteX1" fmla="*/ 2032000 w 2032000"/>
+              <a:gd name="connsiteY1" fmla="*/ 0 h 1188000"/>
+              <a:gd name="connsiteX2" fmla="*/ 2032000 w 2032000"/>
+              <a:gd name="connsiteY2" fmla="*/ 1188000 h 1188000"/>
+              <a:gd name="connsiteX3" fmla="*/ 0 w 2032000"/>
+              <a:gd name="connsiteY3" fmla="*/ 1188000 h 1188000"/>
+              <a:gd name="connsiteX4" fmla="*/ 0 w 2032000"/>
+              <a:gd name="connsiteY4" fmla="*/ 0 h 1188000"/>
+            </a:gdLst>
+            <a:ahLst/>
+            <a:cxnLst>
+              <a:cxn ang="0">
+                <a:pos x="connsiteX0" y="connsiteY0"/>
+              </a:cxn>
+              <a:cxn ang="0">
+                <a:pos x="connsiteX1" y="connsiteY1"/>
+              </a:cxn>
+              <a:cxn ang="0">
+                <a:pos x="connsiteX2" y="connsiteY2"/>
+              </a:cxn>
+              <a:cxn ang="0">
+                <a:pos x="connsiteX3" y="connsiteY3"/>
+              </a:cxn>
+              <a:cxn ang="0">
+                <a:pos x="connsiteX4" y="connsiteY4"/>
+              </a:cxn>
+            </a:cxnLst>
+            <a:rect l="l" t="t" r="r" b="b"/>
+            <a:pathLst>
+              <a:path w="2032000" h="1188000">
+                <a:moveTo>
+                  <a:pt x="0" y="0"/>
+                </a:moveTo>
+                <a:lnTo>
+                  <a:pt x="2032000" y="0"/>
+                </a:lnTo>
+                <a:lnTo>
+                  <a:pt x="2032000" y="1188000"/>
+                </a:lnTo>
+                <a:lnTo>
+                  <a:pt x="0" y="1188000"/>
+                </a:lnTo>
+                <a:lnTo>
+                  <a:pt x="0" y="0"/>
+                </a:lnTo>
+                <a:close/>
+              </a:path>
+            </a:pathLst>
+          </a:custGeom>
+        </p:spPr>
+        <p:style>
+          <a:lnRef idx="3">
+            <a:schemeClr val="lt1"/>
+          </a:lnRef>
+          <a:fillRef idx="1">
+            <a:schemeClr val="dk1"/>
+          </a:fillRef>
+          <a:effectRef idx="1">
+            <a:schemeClr val="dk1"/>
+          </a:effectRef>
+          <a:fontRef idx="minor">
+            <a:schemeClr val="lt1"/>
+          </a:fontRef>
+        </p:style>
+        <p:txBody>
+          <a:bodyPr spcFirstLastPara="0" vert="horz" wrap="square" lIns="85344" tIns="30480" rIns="85344" bIns="30480" numCol="1" spcCol="1270" anchor="ctr" anchorCtr="0">
+            <a:noAutofit/>
+          </a:bodyPr>
+          <a:lstStyle/>
+          <a:p>
+            <a:pPr marL="0" lvl="0" indent="0" algn="r" defTabSz="533400">
+              <a:lnSpc>
+                <a:spcPct val="90000"/>
+              </a:lnSpc>
+              <a:spcBef>
+                <a:spcPct val="0"/>
+              </a:spcBef>
+              <a:spcAft>
+                <a:spcPct val="35000"/>
+              </a:spcAft>
+              <a:buNone/>
+            </a:pPr>
+            <a:r>
+              <a:rPr lang="en-US" sz="1200" kern="1200" dirty="0"/>
+              <a:t>6</a:t>
+            </a:r>
+          </a:p>
+        </p:txBody>
+      </p:sp>
+      <p:sp>
+        <p:nvSpPr>
+          <p:cNvPr id="24" name="Freeform: Shape 23">
+            <a:extLst>
+              <a:ext uri="{FF2B5EF4-FFF2-40B4-BE49-F238E27FC236}">
+                <a16:creationId xmlns:a16="http://schemas.microsoft.com/office/drawing/2014/main" id="{73AB9313-9616-5D57-5A95-AE4873FD241C}"/>
+              </a:ext>
+            </a:extLst>
+          </p:cNvPr>
+          <p:cNvSpPr/>
+          <p:nvPr/>
+        </p:nvSpPr>
+        <p:spPr>
+          <a:xfrm>
+            <a:off x="3769360" y="4419600"/>
+            <a:ext cx="5527040" cy="338328"/>
+          </a:xfrm>
+          <a:custGeom>
+            <a:avLst/>
+            <a:gdLst>
+              <a:gd name="connsiteX0" fmla="*/ 0 w 5527040"/>
+              <a:gd name="connsiteY0" fmla="*/ 0 h 314926"/>
+              <a:gd name="connsiteX1" fmla="*/ 5527040 w 5527040"/>
+              <a:gd name="connsiteY1" fmla="*/ 0 h 314926"/>
+              <a:gd name="connsiteX2" fmla="*/ 5527040 w 5527040"/>
+              <a:gd name="connsiteY2" fmla="*/ 314926 h 314926"/>
+              <a:gd name="connsiteX3" fmla="*/ 0 w 5527040"/>
+              <a:gd name="connsiteY3" fmla="*/ 314926 h 314926"/>
+              <a:gd name="connsiteX4" fmla="*/ 0 w 5527040"/>
+              <a:gd name="connsiteY4" fmla="*/ 0 h 314926"/>
+            </a:gdLst>
+            <a:ahLst/>
+            <a:cxnLst>
+              <a:cxn ang="0">
+                <a:pos x="connsiteX0" y="connsiteY0"/>
+              </a:cxn>
+              <a:cxn ang="0">
+                <a:pos x="connsiteX1" y="connsiteY1"/>
+              </a:cxn>
+              <a:cxn ang="0">
+                <a:pos x="connsiteX2" y="connsiteY2"/>
+              </a:cxn>
+              <a:cxn ang="0">
+                <a:pos x="connsiteX3" y="connsiteY3"/>
+              </a:cxn>
+              <a:cxn ang="0">
+                <a:pos x="connsiteX4" y="connsiteY4"/>
+              </a:cxn>
+            </a:cxnLst>
+            <a:rect l="l" t="t" r="r" b="b"/>
+            <a:pathLst>
+              <a:path w="5527040" h="314926">
+                <a:moveTo>
+                  <a:pt x="0" y="0"/>
+                </a:moveTo>
+                <a:lnTo>
+                  <a:pt x="5527040" y="0"/>
+                </a:lnTo>
+                <a:lnTo>
+                  <a:pt x="5527040" y="314926"/>
+                </a:lnTo>
+                <a:lnTo>
+                  <a:pt x="0" y="314926"/>
+                </a:lnTo>
+                <a:lnTo>
+                  <a:pt x="0" y="0"/>
+                </a:lnTo>
+                <a:close/>
+              </a:path>
+            </a:pathLst>
+          </a:custGeom>
+        </p:spPr>
+        <p:style>
+          <a:lnRef idx="3">
+            <a:schemeClr val="lt1"/>
+          </a:lnRef>
+          <a:fillRef idx="1">
+            <a:schemeClr val="dk1"/>
+          </a:fillRef>
+          <a:effectRef idx="1">
+            <a:schemeClr val="dk1"/>
+          </a:effectRef>
+          <a:fontRef idx="minor">
+            <a:schemeClr val="lt1"/>
+          </a:fontRef>
+        </p:style>
+        <p:txBody>
+          <a:bodyPr spcFirstLastPara="0" vert="horz" wrap="square" lIns="45720" tIns="45720" rIns="45720" bIns="45720" numCol="1" spcCol="1270" anchor="ctr" anchorCtr="0">
+            <a:noAutofit/>
+          </a:bodyPr>
+          <a:lstStyle/>
+          <a:p>
+            <a:pPr marL="114300" lvl="1" indent="-114300" algn="l" defTabSz="533400">
+              <a:lnSpc>
+                <a:spcPct val="90000"/>
+              </a:lnSpc>
+              <a:spcBef>
+                <a:spcPct val="0"/>
+              </a:spcBef>
+              <a:spcAft>
+                <a:spcPct val="15000"/>
+              </a:spcAft>
+              <a:buNone/>
+            </a:pPr>
+            <a:r>
+              <a:rPr lang="en-US" sz="1200" kern="1200" dirty="0"/>
+              <a:t>Configure the Adaptive Form to use JSON representation uploaded in previous step</a:t>
+            </a:r>
           </a:p>
         </p:txBody>
       </p:sp>
@@ -4688,6 +5003,15 @@
 </file>
 
 <file path=customXml/item1.xml><?xml version="1.0" encoding="utf-8"?>
+<?mso-contentType ?>
+<FormTemplates xmlns="http://schemas.microsoft.com/sharepoint/v3/contenttype/forms">
+  <Display>DocumentLibraryForm</Display>
+  <Edit>DocumentLibraryForm</Edit>
+  <New>DocumentLibraryForm</New>
+</FormTemplates>
+</file>
+
+<file path=customXml/item2.xml><?xml version="1.0" encoding="utf-8"?>
 <ct:contentTypeSchema xmlns:ct="http://schemas.microsoft.com/office/2006/metadata/contentType" xmlns:ma="http://schemas.microsoft.com/office/2006/metadata/properties/metaAttributes" ct:_="" ma:_="" ma:contentTypeName="Document" ma:contentTypeID="0x0101007C821498C6BC5F479264DE11AB3D4E35" ma:contentTypeVersion="14" ma:contentTypeDescription="Create a new document." ma:contentTypeScope="" ma:versionID="201e52e5950e442d80d7b918626c1544">
   <xsd:schema xmlns:xsd="http://www.w3.org/2001/XMLSchema" xmlns:xs="http://www.w3.org/2001/XMLSchema" xmlns:p="http://schemas.microsoft.com/office/2006/metadata/properties" xmlns:ns3="8c0f37cb-2f8c-4e0b-acfa-454189466da1" xmlns:ns4="51426725-9505-43c8-9039-bf8795c65071" targetNamespace="http://schemas.microsoft.com/office/2006/metadata/properties" ma:root="true" ma:fieldsID="dec2ac1601a7839854ce931bfeeff2b2" ns3:_="" ns4:_="">
     <xsd:import namespace="8c0f37cb-2f8c-4e0b-acfa-454189466da1"/>
@@ -4916,15 +5240,6 @@
 </ct:contentTypeSchema>
 </file>
 
-<file path=customXml/item2.xml><?xml version="1.0" encoding="utf-8"?>
-<?mso-contentType ?>
-<FormTemplates xmlns="http://schemas.microsoft.com/sharepoint/v3/contenttype/forms">
-  <Display>DocumentLibraryForm</Display>
-  <Edit>DocumentLibraryForm</Edit>
-  <New>DocumentLibraryForm</New>
-</FormTemplates>
-</file>
-
 <file path=customXml/item3.xml><?xml version="1.0" encoding="utf-8"?>
 <p:properties xmlns:p="http://schemas.microsoft.com/office/2006/metadata/properties" xmlns:xsi="http://www.w3.org/2001/XMLSchema-instance" xmlns:pc="http://schemas.microsoft.com/office/infopath/2007/PartnerControls">
   <documentManagement/>
@@ -4932,6 +5247,14 @@
 </file>
 
 <file path=customXml/itemProps1.xml><?xml version="1.0" encoding="utf-8"?>
+<ds:datastoreItem xmlns:ds="http://schemas.openxmlformats.org/officeDocument/2006/customXml" ds:itemID="{3090BAEC-121E-4543-8D05-035CB05AFC7E}">
+  <ds:schemaRefs>
+    <ds:schemaRef ds:uri="http://schemas.microsoft.com/sharepoint/v3/contenttype/forms"/>
+  </ds:schemaRefs>
+</ds:datastoreItem>
+</file>
+
+<file path=customXml/itemProps2.xml><?xml version="1.0" encoding="utf-8"?>
 <ds:datastoreItem xmlns:ds="http://schemas.openxmlformats.org/officeDocument/2006/customXml" ds:itemID="{4269D30E-F823-43F9-B043-640CC56070FE}">
   <ds:schemaRefs>
     <ds:schemaRef ds:uri="http://schemas.microsoft.com/office/2006/metadata/contentType"/>
@@ -4946,14 +5269,6 @@
     <ds:schemaRef ds:uri="http://purl.org/dc/elements/1.1/"/>
     <ds:schemaRef ds:uri="http://purl.org/dc/terms/"/>
     <ds:schemaRef ds:uri="http://schemas.microsoft.com/internal/obd"/>
-  </ds:schemaRefs>
-</ds:datastoreItem>
-</file>
-
-<file path=customXml/itemProps2.xml><?xml version="1.0" encoding="utf-8"?>
-<ds:datastoreItem xmlns:ds="http://schemas.openxmlformats.org/officeDocument/2006/customXml" ds:itemID="{3090BAEC-121E-4543-8D05-035CB05AFC7E}">
-  <ds:schemaRefs>
-    <ds:schemaRef ds:uri="http://schemas.microsoft.com/sharepoint/v3/contenttype/forms"/>
   </ds:schemaRefs>
 </ds:datastoreItem>
 </file>
